--- a/pwp/Lezione_5.pptx
+++ b/pwp/Lezione_5.pptx
@@ -5,7 +5,7 @@
     <p:sldMasterId id="2147483648" r:id="rId1"/>
   </p:sldMasterIdLst>
   <p:notesMasterIdLst>
-    <p:notesMasterId r:id="rId18"/>
+    <p:notesMasterId r:id="rId19"/>
   </p:notesMasterIdLst>
   <p:sldIdLst>
     <p:sldId id="256" r:id="rId2"/>
@@ -23,7 +23,8 @@
     <p:sldId id="305" r:id="rId14"/>
     <p:sldId id="306" r:id="rId15"/>
     <p:sldId id="307" r:id="rId16"/>
-    <p:sldId id="295" r:id="rId17"/>
+    <p:sldId id="308" r:id="rId17"/>
+    <p:sldId id="295" r:id="rId18"/>
   </p:sldIdLst>
   <p:sldSz cx="24384000" cy="13716000"/>
   <p:notesSz cx="6858000" cy="9144000"/>
@@ -1113,11 +1114,7 @@
             </a:r>
             <a:r>
               <a:rPr lang="it-IT" dirty="0"/>
-              <a:t>. </a:t>
-            </a:r>
-            <a:r>
-              <a:rPr lang="it-IT"/>
-              <a:t>Comprendere JSON non è più un'opzione ma una necessità per qualsiasi sviluppatore moderno.</a:t>
+              <a:t>. Comprendere JSON non è più un'opzione ma una necessità per qualsiasi sviluppatore moderno.</a:t>
             </a:r>
           </a:p>
           <a:p>
@@ -1129,6 +1126,98 @@
     <p:extLst>
       <p:ext uri="{BB962C8B-B14F-4D97-AF65-F5344CB8AC3E}">
         <p14:creationId xmlns:p14="http://schemas.microsoft.com/office/powerpoint/2010/main" val="1519988193"/>
+      </p:ext>
+    </p:extLst>
+  </p:cSld>
+  <p:clrMapOvr>
+    <a:masterClrMapping/>
+  </p:clrMapOvr>
+</p:notes>
+</file>
+
+<file path=ppt/notesSlides/notesSlide14.xml><?xml version="1.0" encoding="utf-8"?>
+<p:notes xmlns:a="http://schemas.openxmlformats.org/drawingml/2006/main" xmlns:r="http://schemas.openxmlformats.org/officeDocument/2006/relationships" xmlns:p="http://schemas.openxmlformats.org/presentationml/2006/main">
+  <p:cSld>
+    <p:spTree>
+      <p:nvGrpSpPr>
+        <p:cNvPr id="1" name="">
+          <a:extLst>
+            <a:ext uri="{FF2B5EF4-FFF2-40B4-BE49-F238E27FC236}">
+              <a16:creationId xmlns:a16="http://schemas.microsoft.com/office/drawing/2014/main" id="{D2E96D77-6605-A007-A8A1-1F5053ED3E19}"/>
+            </a:ext>
+          </a:extLst>
+        </p:cNvPr>
+        <p:cNvGrpSpPr/>
+        <p:nvPr/>
+      </p:nvGrpSpPr>
+      <p:grpSpPr>
+        <a:xfrm>
+          <a:off x="0" y="0"/>
+          <a:ext cx="0" cy="0"/>
+          <a:chOff x="0" y="0"/>
+          <a:chExt cx="0" cy="0"/>
+        </a:xfrm>
+      </p:grpSpPr>
+      <p:sp>
+        <p:nvSpPr>
+          <p:cNvPr id="2" name="Segnaposto immagine diapositiva 1">
+            <a:extLst>
+              <a:ext uri="{FF2B5EF4-FFF2-40B4-BE49-F238E27FC236}">
+                <a16:creationId xmlns:a16="http://schemas.microsoft.com/office/drawing/2014/main" id="{A4C83FE9-164D-BD3A-31A1-D1A26014971D}"/>
+              </a:ext>
+            </a:extLst>
+          </p:cNvPr>
+          <p:cNvSpPr>
+            <a:spLocks noGrp="1" noRot="1" noChangeAspect="1"/>
+          </p:cNvSpPr>
+          <p:nvPr>
+            <p:ph type="sldImg"/>
+          </p:nvPr>
+        </p:nvSpPr>
+        <p:spPr>
+          <a:xfrm>
+            <a:off x="381000" y="685800"/>
+            <a:ext cx="6096000" cy="3429000"/>
+          </a:xfrm>
+        </p:spPr>
+      </p:sp>
+      <p:sp>
+        <p:nvSpPr>
+          <p:cNvPr id="3" name="Segnaposto note 2">
+            <a:extLst>
+              <a:ext uri="{FF2B5EF4-FFF2-40B4-BE49-F238E27FC236}">
+                <a16:creationId xmlns:a16="http://schemas.microsoft.com/office/drawing/2014/main" id="{38B58082-DE10-0A13-711A-DF507EC7E3C1}"/>
+              </a:ext>
+            </a:extLst>
+          </p:cNvPr>
+          <p:cNvSpPr>
+            <a:spLocks noGrp="1"/>
+          </p:cNvSpPr>
+          <p:nvPr>
+            <p:ph type="body" idx="1"/>
+          </p:nvPr>
+        </p:nvSpPr>
+        <p:spPr/>
+        <p:txBody>
+          <a:bodyPr/>
+          <a:lstStyle/>
+          <a:p>
+            <a:r>
+              <a:rPr lang="it-IT" dirty="0"/>
+              <a:t>Esempi gestione file </a:t>
+            </a:r>
+            <a:r>
+              <a:rPr lang="it-IT" dirty="0" err="1"/>
+              <a:t>json</a:t>
+            </a:r>
+            <a:endParaRPr lang="it-IT" dirty="0"/>
+          </a:p>
+        </p:txBody>
+      </p:sp>
+    </p:spTree>
+    <p:extLst>
+      <p:ext uri="{BB962C8B-B14F-4D97-AF65-F5344CB8AC3E}">
+        <p14:creationId xmlns:p14="http://schemas.microsoft.com/office/powerpoint/2010/main" val="1145386136"/>
       </p:ext>
     </p:extLst>
   </p:cSld>
@@ -7917,6 +8006,171 @@
 </file>
 
 <file path=ppt/slides/slide16.xml><?xml version="1.0" encoding="utf-8"?>
+<p:sld xmlns:a="http://schemas.openxmlformats.org/drawingml/2006/main" xmlns:r="http://schemas.openxmlformats.org/officeDocument/2006/relationships" xmlns:p="http://schemas.openxmlformats.org/presentationml/2006/main">
+  <p:cSld>
+    <p:spTree>
+      <p:nvGrpSpPr>
+        <p:cNvPr id="1" name="">
+          <a:extLst>
+            <a:ext uri="{FF2B5EF4-FFF2-40B4-BE49-F238E27FC236}">
+              <a16:creationId xmlns:a16="http://schemas.microsoft.com/office/drawing/2014/main" id="{D48E99DB-2930-E4F6-BF83-6EFAF3FC93E7}"/>
+            </a:ext>
+          </a:extLst>
+        </p:cNvPr>
+        <p:cNvGrpSpPr/>
+        <p:nvPr/>
+      </p:nvGrpSpPr>
+      <p:grpSpPr>
+        <a:xfrm>
+          <a:off x="0" y="0"/>
+          <a:ext cx="0" cy="0"/>
+          <a:chOff x="0" y="0"/>
+          <a:chExt cx="0" cy="0"/>
+        </a:xfrm>
+      </p:grpSpPr>
+      <p:sp>
+        <p:nvSpPr>
+          <p:cNvPr id="218" name="Linguaggio C">
+            <a:extLst>
+              <a:ext uri="{FF2B5EF4-FFF2-40B4-BE49-F238E27FC236}">
+                <a16:creationId xmlns:a16="http://schemas.microsoft.com/office/drawing/2014/main" id="{51F9C981-4435-E0F2-90CB-4BAA7C4E3C59}"/>
+              </a:ext>
+            </a:extLst>
+          </p:cNvPr>
+          <p:cNvSpPr txBox="1">
+            <a:spLocks noGrp="1"/>
+          </p:cNvSpPr>
+          <p:nvPr>
+            <p:ph type="title"/>
+          </p:nvPr>
+        </p:nvSpPr>
+        <p:spPr>
+          <a:prstGeom prst="rect">
+            <a:avLst/>
+          </a:prstGeom>
+        </p:spPr>
+        <p:txBody>
+          <a:bodyPr/>
+          <a:lstStyle/>
+          <a:p>
+            <a:r>
+              <a:rPr lang="it-IT" dirty="0"/>
+              <a:t>JSON in </a:t>
+            </a:r>
+            <a:r>
+              <a:rPr lang="it-IT" dirty="0" err="1"/>
+              <a:t>python</a:t>
+            </a:r>
+            <a:endParaRPr dirty="0"/>
+          </a:p>
+        </p:txBody>
+      </p:sp>
+      <p:sp>
+        <p:nvSpPr>
+          <p:cNvPr id="219" name="Cos’è?  Un linguaggio di programmazione compilato, general-purpose e tipizzato staticamente.…">
+            <a:extLst>
+              <a:ext uri="{FF2B5EF4-FFF2-40B4-BE49-F238E27FC236}">
+                <a16:creationId xmlns:a16="http://schemas.microsoft.com/office/drawing/2014/main" id="{31EBC0A6-CB36-8568-88DB-DC8945DFA416}"/>
+              </a:ext>
+            </a:extLst>
+          </p:cNvPr>
+          <p:cNvSpPr txBox="1">
+            <a:spLocks noGrp="1"/>
+          </p:cNvSpPr>
+          <p:nvPr>
+            <p:ph type="body" idx="1"/>
+          </p:nvPr>
+        </p:nvSpPr>
+        <p:spPr>
+          <a:xfrm>
+            <a:off x="1270000" y="3383280"/>
+            <a:ext cx="21844000" cy="9316720"/>
+          </a:xfrm>
+          <a:prstGeom prst="rect">
+            <a:avLst/>
+          </a:prstGeom>
+        </p:spPr>
+        <p:txBody>
+          <a:bodyPr>
+            <a:noAutofit/>
+          </a:bodyPr>
+          <a:lstStyle/>
+          <a:p>
+            <a:r>
+              <a:rPr lang="it-IT" sz="7200" dirty="0"/>
+              <a:t>Utilizzo del modulo </a:t>
+            </a:r>
+            <a:r>
+              <a:rPr lang="it-IT" sz="7200" dirty="0" err="1">
+                <a:latin typeface="FreeMono" panose="020F0409020205020404" pitchFamily="49" charset="0"/>
+                <a:ea typeface="FreeMono" panose="020F0409020205020404" pitchFamily="49" charset="0"/>
+                <a:cs typeface="FreeMono" panose="020F0409020205020404" pitchFamily="49" charset="0"/>
+              </a:rPr>
+              <a:t>json</a:t>
+            </a:r>
+            <a:endParaRPr lang="it-IT" sz="7200" dirty="0">
+              <a:latin typeface="FreeMono" panose="020F0409020205020404" pitchFamily="49" charset="0"/>
+              <a:ea typeface="FreeMono" panose="020F0409020205020404" pitchFamily="49" charset="0"/>
+              <a:cs typeface="FreeMono" panose="020F0409020205020404" pitchFamily="49" charset="0"/>
+            </a:endParaRPr>
+          </a:p>
+          <a:p>
+            <a:endParaRPr lang="it-IT" sz="7200" dirty="0">
+              <a:latin typeface="FreeMono" panose="020F0409020205020404" pitchFamily="49" charset="0"/>
+              <a:ea typeface="FreeMono" panose="020F0409020205020404" pitchFamily="49" charset="0"/>
+              <a:cs typeface="FreeMono" panose="020F0409020205020404" pitchFamily="49" charset="0"/>
+            </a:endParaRPr>
+          </a:p>
+          <a:p>
+            <a:r>
+              <a:rPr lang="it-IT" sz="7200" dirty="0">
+                <a:latin typeface="+mj-lt"/>
+                <a:ea typeface="FreeMono" panose="020F0409020205020404" pitchFamily="49" charset="0"/>
+                <a:cs typeface="FreeMono" panose="020F0409020205020404" pitchFamily="49" charset="0"/>
+              </a:rPr>
+              <a:t>Interazione tra oggetti JSON e variabili </a:t>
+            </a:r>
+            <a:r>
+              <a:rPr lang="it-IT" sz="7200" dirty="0" err="1">
+                <a:latin typeface="+mj-lt"/>
+                <a:ea typeface="FreeMono" panose="020F0409020205020404" pitchFamily="49" charset="0"/>
+                <a:cs typeface="FreeMono" panose="020F0409020205020404" pitchFamily="49" charset="0"/>
+              </a:rPr>
+              <a:t>python</a:t>
+            </a:r>
+            <a:r>
+              <a:rPr lang="it-IT" sz="7200" dirty="0">
+                <a:latin typeface="+mj-lt"/>
+                <a:ea typeface="FreeMono" panose="020F0409020205020404" pitchFamily="49" charset="0"/>
+                <a:cs typeface="FreeMono" panose="020F0409020205020404" pitchFamily="49" charset="0"/>
+              </a:rPr>
+              <a:t> molto semplice</a:t>
+            </a:r>
+          </a:p>
+          <a:p>
+            <a:endParaRPr lang="it-IT" sz="7200" dirty="0">
+              <a:latin typeface="FreeMono" panose="020F0409020205020404" pitchFamily="49" charset="0"/>
+              <a:ea typeface="FreeMono" panose="020F0409020205020404" pitchFamily="49" charset="0"/>
+              <a:cs typeface="FreeMono" panose="020F0409020205020404" pitchFamily="49" charset="0"/>
+            </a:endParaRPr>
+          </a:p>
+        </p:txBody>
+      </p:sp>
+    </p:spTree>
+    <p:extLst>
+      <p:ext uri="{BB962C8B-B14F-4D97-AF65-F5344CB8AC3E}">
+        <p14:creationId xmlns:p14="http://schemas.microsoft.com/office/powerpoint/2010/main" val="446001372"/>
+      </p:ext>
+    </p:extLst>
+  </p:cSld>
+  <p:clrMapOvr>
+    <a:masterClrMapping/>
+  </p:clrMapOvr>
+  <p:transition spd="med"/>
+</p:sld>
+</file>
+
+<file path=ppt/slides/slide17.xml><?xml version="1.0" encoding="utf-8"?>
 <p:sld xmlns:a="http://schemas.openxmlformats.org/drawingml/2006/main" xmlns:r="http://schemas.openxmlformats.org/officeDocument/2006/relationships" xmlns:p="http://schemas.openxmlformats.org/presentationml/2006/main">
   <p:cSld>
     <p:spTree>
